--- a/ppt/ppt_6_12.pptx
+++ b/ppt/ppt_6_12.pptx
@@ -5,7 +5,7 @@
     <p:sldMasterId id="2147483648" r:id="rId1"/>
   </p:sldMasterIdLst>
   <p:notesMasterIdLst>
-    <p:notesMasterId r:id="rId19"/>
+    <p:notesMasterId r:id="rId20"/>
   </p:notesMasterIdLst>
   <p:sldIdLst>
     <p:sldId id="271" r:id="rId3"/>
@@ -14,16 +14,17 @@
     <p:sldId id="274" r:id="rId6"/>
     <p:sldId id="275" r:id="rId7"/>
     <p:sldId id="276" r:id="rId8"/>
-    <p:sldId id="277" r:id="rId9"/>
-    <p:sldId id="279" r:id="rId10"/>
-    <p:sldId id="280" r:id="rId11"/>
-    <p:sldId id="281" r:id="rId12"/>
-    <p:sldId id="283" r:id="rId13"/>
-    <p:sldId id="258" r:id="rId14"/>
-    <p:sldId id="259" r:id="rId15"/>
-    <p:sldId id="260" r:id="rId16"/>
-    <p:sldId id="267" r:id="rId17"/>
-    <p:sldId id="268" r:id="rId18"/>
+    <p:sldId id="289" r:id="rId9"/>
+    <p:sldId id="277" r:id="rId10"/>
+    <p:sldId id="279" r:id="rId11"/>
+    <p:sldId id="280" r:id="rId12"/>
+    <p:sldId id="281" r:id="rId13"/>
+    <p:sldId id="283" r:id="rId14"/>
+    <p:sldId id="258" r:id="rId15"/>
+    <p:sldId id="259" r:id="rId16"/>
+    <p:sldId id="260" r:id="rId17"/>
+    <p:sldId id="267" r:id="rId18"/>
+    <p:sldId id="268" r:id="rId19"/>
   </p:sldIdLst>
   <p:sldSz cx="12192000" cy="6858000"/>
   <p:notesSz cx="6858000" cy="9144000"/>
@@ -6286,7 +6287,7 @@
                 <a:latin typeface="+mj-ea"/>
                 <a:ea typeface="+mj-ea"/>
               </a:rPr>
-              <a:t>参考文献</a:t>
+              <a:t>任务分工</a:t>
             </a:r>
             <a:endParaRPr sz="2800" dirty="0">
               <a:latin typeface="+mj-ea"/>
@@ -6384,7 +6385,7 @@
         <p:spPr>
           <a:xfrm>
             <a:off x="621030" y="1143000"/>
-            <a:ext cx="10391140" cy="829945"/>
+            <a:ext cx="10391140" cy="2306955"/>
           </a:xfrm>
           <a:prstGeom prst="rect">
             <a:avLst/>
@@ -6412,6 +6413,50 @@
               <a:t>照片</a:t>
             </a:r>
             <a:endParaRPr lang="zh-CN" sz="2400">
+              <a:latin typeface="+mj-ea"/>
+              <a:ea typeface="+mj-ea"/>
+              <a:cs typeface="+mj-ea"/>
+            </a:endParaRPr>
+          </a:p>
+          <a:p>
+            <a:endParaRPr lang="zh-CN" sz="2400">
+              <a:latin typeface="+mj-ea"/>
+              <a:ea typeface="+mj-ea"/>
+              <a:cs typeface="+mj-ea"/>
+            </a:endParaRPr>
+          </a:p>
+          <a:p>
+            <a:r>
+              <a:rPr lang="en-US" altLang="zh-CN" sz="2400">
+                <a:latin typeface="+mj-ea"/>
+                <a:ea typeface="+mj-ea"/>
+                <a:cs typeface="+mj-ea"/>
+              </a:rPr>
+              <a:t>Github</a:t>
+            </a:r>
+            <a:endParaRPr lang="en-US" altLang="zh-CN" sz="2400">
+              <a:latin typeface="+mj-ea"/>
+              <a:ea typeface="+mj-ea"/>
+              <a:cs typeface="+mj-ea"/>
+            </a:endParaRPr>
+          </a:p>
+          <a:p>
+            <a:endParaRPr lang="en-US" altLang="zh-CN" sz="2400">
+              <a:latin typeface="+mj-ea"/>
+              <a:ea typeface="+mj-ea"/>
+              <a:cs typeface="+mj-ea"/>
+            </a:endParaRPr>
+          </a:p>
+          <a:p>
+            <a:r>
+              <a:rPr lang="zh-CN" altLang="en-US" sz="2400">
+                <a:latin typeface="+mj-ea"/>
+                <a:ea typeface="+mj-ea"/>
+                <a:cs typeface="+mj-ea"/>
+              </a:rPr>
+              <a:t>每周进度</a:t>
+            </a:r>
+            <a:endParaRPr lang="zh-CN" altLang="en-US" sz="2400">
               <a:latin typeface="+mj-ea"/>
               <a:ea typeface="+mj-ea"/>
               <a:cs typeface="+mj-ea"/>
@@ -6467,6 +6512,214 @@
         <p:cNvGrpSpPr/>
         <p:nvPr/>
       </p:nvGrpSpPr>
+      <p:grpSpPr>
+        <a:xfrm>
+          <a:off x="0" y="0"/>
+          <a:ext cx="0" cy="0"/>
+          <a:chOff x="0" y="0"/>
+          <a:chExt cx="0" cy="0"/>
+        </a:xfrm>
+      </p:grpSpPr>
+      <p:sp>
+        <p:nvSpPr>
+          <p:cNvPr id="2" name="标题 1"/>
+          <p:cNvSpPr>
+            <a:spLocks noGrp="1"/>
+          </p:cNvSpPr>
+          <p:nvPr>
+            <p:ph type="title"/>
+          </p:nvPr>
+        </p:nvSpPr>
+        <p:spPr>
+          <a:xfrm>
+            <a:off x="777875" y="292100"/>
+            <a:ext cx="3109595" cy="441960"/>
+          </a:xfrm>
+        </p:spPr>
+        <p:txBody>
+          <a:bodyPr>
+            <a:noAutofit/>
+          </a:bodyPr>
+          <a:lstStyle/>
+          <a:p>
+            <a:r>
+              <a:rPr sz="2800" dirty="0">
+                <a:latin typeface="+mj-ea"/>
+                <a:ea typeface="+mj-ea"/>
+              </a:rPr>
+              <a:t>参考文献</a:t>
+            </a:r>
+            <a:endParaRPr sz="2800" dirty="0">
+              <a:latin typeface="+mj-ea"/>
+              <a:ea typeface="+mj-ea"/>
+            </a:endParaRPr>
+          </a:p>
+        </p:txBody>
+      </p:sp>
+      <p:sp>
+        <p:nvSpPr>
+          <p:cNvPr id="3" name="标题 1"/>
+          <p:cNvSpPr>
+            <a:spLocks noGrp="1"/>
+          </p:cNvSpPr>
+          <p:nvPr/>
+        </p:nvSpPr>
+        <p:spPr>
+          <a:xfrm>
+            <a:off x="7491730" y="292100"/>
+            <a:ext cx="4396105" cy="850900"/>
+          </a:xfrm>
+          <a:prstGeom prst="rect">
+            <a:avLst/>
+          </a:prstGeom>
+        </p:spPr>
+        <p:txBody>
+          <a:bodyPr vert="horz" lIns="90000" tIns="46800" rIns="90000" bIns="46800" rtlCol="0" anchor="t" anchorCtr="0">
+            <a:normAutofit/>
+          </a:bodyPr>
+          <a:lstStyle>
+            <a:lvl1pPr marL="0" marR="0" algn="l" defTabSz="914400" rtl="0" eaLnBrk="1" fontAlgn="auto" latinLnBrk="0" hangingPunct="1">
+              <a:lnSpc>
+                <a:spcPct val="100000"/>
+              </a:lnSpc>
+              <a:spcBef>
+                <a:spcPct val="0"/>
+              </a:spcBef>
+              <a:buNone/>
+              <a:defRPr kumimoji="0" lang="zh-CN" altLang="en-US" sz="2400" b="1" i="0" u="none" strike="noStrike" kern="1200" cap="none" spc="200" normalizeH="0" baseline="0" noProof="1" dirty="0">
+                <a:solidFill>
+                  <a:schemeClr val="tx1">
+                    <a:lumMod val="85000"/>
+                    <a:lumOff val="15000"/>
+                  </a:schemeClr>
+                </a:solidFill>
+                <a:uFillTx/>
+                <a:latin typeface="Arial" panose="020B0604020202020204" pitchFamily="34" charset="0"/>
+                <a:ea typeface="微软雅黑" panose="020B0503020204020204" charset="-122"/>
+                <a:cs typeface="+mj-cs"/>
+                <a:sym typeface="+mn-ea"/>
+              </a:defRPr>
+            </a:lvl1pPr>
+          </a:lstStyle>
+          <a:p>
+            <a:r>
+              <a:rPr lang="en-US" altLang="zh-CN">
+                <a:sym typeface="+mn-ea"/>
+              </a:rPr>
+              <a:t>                         </a:t>
+            </a:r>
+            <a:r>
+              <a:rPr sz="3600" b="0">
+                <a:sym typeface="+mn-ea"/>
+              </a:rPr>
+              <a:t>נתניהו</a:t>
+            </a:r>
+            <a:r>
+              <a:rPr>
+                <a:sym typeface="+mn-ea"/>
+              </a:rPr>
+              <a:t> </a:t>
+            </a:r>
+            <a:r>
+              <a:rPr lang="en-US" altLang="zh-CN">
+                <a:sym typeface="+mn-ea"/>
+              </a:rPr>
+              <a:t>    </a:t>
+            </a:r>
+            <a:r>
+              <a:rPr>
+                <a:sym typeface="+mn-ea"/>
+              </a:rPr>
+              <a:t>               </a:t>
+            </a:r>
+            <a:endParaRPr lang="zh-CN" altLang="en-US" dirty="0"/>
+          </a:p>
+        </p:txBody>
+      </p:sp>
+      <p:sp>
+        <p:nvSpPr>
+          <p:cNvPr id="4" name="文本框 3"/>
+          <p:cNvSpPr txBox="1"/>
+          <p:nvPr/>
+        </p:nvSpPr>
+        <p:spPr>
+          <a:xfrm>
+            <a:off x="621030" y="1143000"/>
+            <a:ext cx="10391140" cy="829945"/>
+          </a:xfrm>
+          <a:prstGeom prst="rect">
+            <a:avLst/>
+          </a:prstGeom>
+          <a:noFill/>
+        </p:spPr>
+        <p:txBody>
+          <a:bodyPr wrap="square" rtlCol="0">
+            <a:spAutoFit/>
+          </a:bodyPr>
+          <a:p>
+            <a:endParaRPr lang="zh-CN" altLang="en-US" sz="2400">
+              <a:latin typeface="+mj-ea"/>
+              <a:ea typeface="+mj-ea"/>
+              <a:cs typeface="+mj-ea"/>
+            </a:endParaRPr>
+          </a:p>
+          <a:p>
+            <a:endParaRPr lang="zh-CN" sz="2400">
+              <a:latin typeface="+mj-ea"/>
+              <a:ea typeface="+mj-ea"/>
+              <a:cs typeface="+mj-ea"/>
+            </a:endParaRPr>
+          </a:p>
+        </p:txBody>
+      </p:sp>
+      <p:sp>
+        <p:nvSpPr>
+          <p:cNvPr id="5" name="灯片编号占位符 4"/>
+          <p:cNvSpPr>
+            <a:spLocks noGrp="1"/>
+          </p:cNvSpPr>
+          <p:nvPr>
+            <p:ph type="sldNum" sz="quarter" idx="12"/>
+          </p:nvPr>
+        </p:nvSpPr>
+        <p:spPr/>
+        <p:txBody>
+          <a:bodyPr/>
+          <a:p>
+            <a:fld id="{49AE70B2-8BF9-45C0-BB95-33D1B9D3A854}" type="slidenum">
+              <a:rPr lang="zh-CN" altLang="en-US" smtClean="0"/>
+            </a:fld>
+            <a:endParaRPr lang="zh-CN" altLang="en-US"/>
+          </a:p>
+        </p:txBody>
+      </p:sp>
+    </p:spTree>
+    <p:custDataLst>
+      <p:tags r:id="rId1"/>
+    </p:custDataLst>
+  </p:cSld>
+  <p:clrMapOvr>
+    <a:masterClrMapping/>
+  </p:clrMapOvr>
+  <p:timing>
+    <p:tnLst>
+      <p:par>
+        <p:cTn id="1" dur="indefinite" restart="never" nodeType="tmRoot"/>
+      </p:par>
+    </p:tnLst>
+  </p:timing>
+</p:sld>
+</file>
+
+<file path=ppt/slides/slide12.xml><?xml version="1.0" encoding="utf-8"?>
+<p:sld xmlns:a="http://schemas.openxmlformats.org/drawingml/2006/main" xmlns:r="http://schemas.openxmlformats.org/officeDocument/2006/relationships" xmlns:p="http://schemas.openxmlformats.org/presentationml/2006/main">
+  <p:cSld>
+    <p:spTree>
+      <p:nvGrpSpPr>
+        <p:cNvPr id="1" name=""/>
+        <p:cNvGrpSpPr/>
+        <p:nvPr/>
+      </p:nvGrpSpPr>
       <p:grpSpPr/>
       <p:sp>
         <p:nvSpPr>
@@ -6580,7 +6833,7 @@
 </p:sld>
 </file>
 
-<file path=ppt/slides/slide12.xml><?xml version="1.0" encoding="utf-8"?>
+<file path=ppt/slides/slide13.xml><?xml version="1.0" encoding="utf-8"?>
 <p:sld xmlns:a="http://schemas.openxmlformats.org/drawingml/2006/main" xmlns:r="http://schemas.openxmlformats.org/officeDocument/2006/relationships" xmlns:p="http://schemas.openxmlformats.org/presentationml/2006/main">
   <p:cSld>
     <p:spTree>
@@ -7026,7 +7279,7 @@
 </p:sld>
 </file>
 
-<file path=ppt/slides/slide13.xml><?xml version="1.0" encoding="utf-8"?>
+<file path=ppt/slides/slide14.xml><?xml version="1.0" encoding="utf-8"?>
 <p:sld xmlns:a="http://schemas.openxmlformats.org/drawingml/2006/main" xmlns:r="http://schemas.openxmlformats.org/officeDocument/2006/relationships" xmlns:p="http://schemas.openxmlformats.org/presentationml/2006/main">
   <p:cSld>
     <p:spTree>
@@ -7180,7 +7433,7 @@
 </p:sld>
 </file>
 
-<file path=ppt/slides/slide14.xml><?xml version="1.0" encoding="utf-8"?>
+<file path=ppt/slides/slide15.xml><?xml version="1.0" encoding="utf-8"?>
 <p:sld xmlns:a="http://schemas.openxmlformats.org/drawingml/2006/main" xmlns:r="http://schemas.openxmlformats.org/officeDocument/2006/relationships" xmlns:p="http://schemas.openxmlformats.org/presentationml/2006/main">
   <p:cSld>
     <p:spTree>
@@ -7321,7 +7574,7 @@
 </p:sld>
 </file>
 
-<file path=ppt/slides/slide15.xml><?xml version="1.0" encoding="utf-8"?>
+<file path=ppt/slides/slide16.xml><?xml version="1.0" encoding="utf-8"?>
 <p:sld xmlns:a="http://schemas.openxmlformats.org/drawingml/2006/main" xmlns:r="http://schemas.openxmlformats.org/officeDocument/2006/relationships" xmlns:p="http://schemas.openxmlformats.org/presentationml/2006/main">
   <p:cSld>
     <p:spTree>
@@ -7498,7 +7751,7 @@
 </p:sld>
 </file>
 
-<file path=ppt/slides/slide16.xml><?xml version="1.0" encoding="utf-8"?>
+<file path=ppt/slides/slide17.xml><?xml version="1.0" encoding="utf-8"?>
 <p:sld xmlns:a="http://schemas.openxmlformats.org/drawingml/2006/main" xmlns:r="http://schemas.openxmlformats.org/officeDocument/2006/relationships" xmlns:p="http://schemas.openxmlformats.org/presentationml/2006/main">
   <p:cSld>
     <p:spTree>
@@ -8169,7 +8422,7 @@
         <p:spPr>
           <a:xfrm>
             <a:off x="653415" y="1143000"/>
-            <a:ext cx="10391140" cy="3046095"/>
+            <a:ext cx="10391140" cy="4523105"/>
           </a:xfrm>
           <a:prstGeom prst="rect">
             <a:avLst/>
@@ -8247,6 +8500,66 @@
               </a:rPr>
               <a:t>任务分解</a:t>
             </a:r>
+            <a:endParaRPr lang="zh-CN" altLang="en-US" sz="2400" b="1">
+              <a:latin typeface="+mj-ea"/>
+              <a:ea typeface="+mj-ea"/>
+              <a:cs typeface="+mj-ea"/>
+            </a:endParaRPr>
+          </a:p>
+          <a:p>
+            <a:endParaRPr lang="zh-CN" altLang="en-US" sz="2400" b="1">
+              <a:latin typeface="+mj-ea"/>
+              <a:ea typeface="+mj-ea"/>
+              <a:cs typeface="+mj-ea"/>
+            </a:endParaRPr>
+          </a:p>
+          <a:p>
+            <a:r>
+              <a:rPr lang="zh-CN" altLang="en-US" sz="2400" b="1">
+                <a:latin typeface="+mj-ea"/>
+                <a:ea typeface="+mj-ea"/>
+                <a:cs typeface="+mj-ea"/>
+              </a:rPr>
+              <a:t>每人分工：算法设计 仿真 控制平台搭建 </a:t>
+            </a:r>
+            <a:r>
+              <a:rPr lang="en-US" altLang="zh-CN" sz="2400" b="1">
+                <a:latin typeface="+mj-ea"/>
+                <a:ea typeface="+mj-ea"/>
+                <a:cs typeface="+mj-ea"/>
+              </a:rPr>
+              <a:t>stm32 </a:t>
+            </a:r>
+            <a:r>
+              <a:rPr lang="zh-CN" altLang="en-US" sz="2400" b="1">
+                <a:latin typeface="+mj-ea"/>
+                <a:ea typeface="+mj-ea"/>
+                <a:cs typeface="+mj-ea"/>
+              </a:rPr>
+              <a:t>系统联调 进度管理 </a:t>
+            </a:r>
+            <a:endParaRPr lang="zh-CN" altLang="en-US" sz="2400" b="1">
+              <a:latin typeface="+mj-ea"/>
+              <a:ea typeface="+mj-ea"/>
+              <a:cs typeface="+mj-ea"/>
+            </a:endParaRPr>
+          </a:p>
+          <a:p>
+            <a:r>
+              <a:rPr lang="zh-CN" altLang="en-US" sz="2400" b="1">
+                <a:latin typeface="+mj-ea"/>
+                <a:ea typeface="+mj-ea"/>
+                <a:cs typeface="+mj-ea"/>
+              </a:rPr>
+              <a:t>罗云鹏：</a:t>
+            </a:r>
+            <a:endParaRPr lang="zh-CN" altLang="en-US" sz="2400" b="1">
+              <a:latin typeface="+mj-ea"/>
+              <a:ea typeface="+mj-ea"/>
+              <a:cs typeface="+mj-ea"/>
+            </a:endParaRPr>
+          </a:p>
+          <a:p>
             <a:endParaRPr lang="zh-CN" altLang="en-US" sz="2400">
               <a:latin typeface="+mj-ea"/>
               <a:ea typeface="+mj-ea"/>
@@ -8984,7 +9297,7 @@
         <p:spPr>
           <a:xfrm>
             <a:off x="621030" y="1143000"/>
-            <a:ext cx="10391140" cy="1568450"/>
+            <a:ext cx="10391140" cy="2306955"/>
           </a:xfrm>
           <a:prstGeom prst="rect">
             <a:avLst/>
@@ -9041,6 +9354,20 @@
               </a:rPr>
               <a:t>控制器</a:t>
             </a:r>
+            <a:endParaRPr lang="zh-CN" altLang="en-US" sz="2400">
+              <a:latin typeface="+mj-ea"/>
+              <a:ea typeface="+mj-ea"/>
+              <a:cs typeface="+mj-ea"/>
+            </a:endParaRPr>
+          </a:p>
+          <a:p>
+            <a:endParaRPr lang="zh-CN" altLang="en-US" sz="2400">
+              <a:latin typeface="+mj-ea"/>
+              <a:ea typeface="+mj-ea"/>
+              <a:cs typeface="+mj-ea"/>
+            </a:endParaRPr>
+          </a:p>
+          <a:p>
             <a:endParaRPr lang="zh-CN" altLang="en-US" sz="2400">
               <a:latin typeface="+mj-ea"/>
               <a:ea typeface="+mj-ea"/>
@@ -9132,7 +9459,7 @@
                 <a:latin typeface="+mj-ea"/>
                 <a:ea typeface="+mj-ea"/>
               </a:rPr>
-              <a:t>效果展示</a:t>
+              <a:t>工程实现</a:t>
             </a:r>
             <a:endParaRPr sz="2800" dirty="0">
               <a:latin typeface="+mj-ea"/>
@@ -9230,7 +9557,7 @@
         <p:spPr>
           <a:xfrm>
             <a:off x="621030" y="1143000"/>
-            <a:ext cx="10391140" cy="1568450"/>
+            <a:ext cx="10391140" cy="829945"/>
           </a:xfrm>
           <a:prstGeom prst="rect">
             <a:avLst/>
@@ -9255,37 +9582,7 @@
                 <a:ea typeface="+mj-ea"/>
                 <a:cs typeface="+mj-ea"/>
               </a:rPr>
-              <a:t>势能函数</a:t>
-            </a:r>
-            <a:endParaRPr lang="zh-CN" altLang="en-US" sz="2400">
-              <a:latin typeface="+mj-ea"/>
-              <a:ea typeface="+mj-ea"/>
-              <a:cs typeface="+mj-ea"/>
-            </a:endParaRPr>
-          </a:p>
-          <a:p>
-            <a:endParaRPr lang="zh-CN" altLang="en-US" sz="2400">
-              <a:latin typeface="+mj-ea"/>
-              <a:ea typeface="+mj-ea"/>
-              <a:cs typeface="+mj-ea"/>
-            </a:endParaRPr>
-          </a:p>
-          <a:p>
-            <a:r>
-              <a:rPr lang="en-US" altLang="zh-CN" sz="2400">
-                <a:latin typeface="+mj-ea"/>
-                <a:ea typeface="+mj-ea"/>
-                <a:cs typeface="+mj-ea"/>
-              </a:rPr>
-              <a:t>PI</a:t>
-            </a:r>
-            <a:r>
-              <a:rPr lang="zh-CN" altLang="en-US" sz="2400">
-                <a:latin typeface="+mj-ea"/>
-                <a:ea typeface="+mj-ea"/>
-                <a:cs typeface="+mj-ea"/>
-              </a:rPr>
-              <a:t>控制器</a:t>
+              <a:t>代码结构</a:t>
             </a:r>
             <a:endParaRPr lang="zh-CN" altLang="en-US" sz="2400">
               <a:latin typeface="+mj-ea"/>
@@ -9378,7 +9675,7 @@
                 <a:latin typeface="+mj-ea"/>
                 <a:ea typeface="+mj-ea"/>
               </a:rPr>
-              <a:t>总结与展望</a:t>
+              <a:t>效果展示</a:t>
             </a:r>
             <a:endParaRPr sz="2800" dirty="0">
               <a:latin typeface="+mj-ea"/>
@@ -9501,7 +9798,7 @@
                 <a:ea typeface="+mj-ea"/>
                 <a:cs typeface="+mj-ea"/>
               </a:rPr>
-              <a:t>创新点</a:t>
+              <a:t>势能函数</a:t>
             </a:r>
             <a:endParaRPr lang="zh-CN" altLang="en-US" sz="2400">
               <a:latin typeface="+mj-ea"/>
@@ -9518,12 +9815,20 @@
           </a:p>
           <a:p>
             <a:r>
+              <a:rPr lang="en-US" altLang="zh-CN" sz="2400">
+                <a:latin typeface="+mj-ea"/>
+                <a:ea typeface="+mj-ea"/>
+                <a:cs typeface="+mj-ea"/>
+              </a:rPr>
+              <a:t>PI</a:t>
+            </a:r>
+            <a:r>
               <a:rPr lang="zh-CN" altLang="en-US" sz="2400">
                 <a:latin typeface="+mj-ea"/>
                 <a:ea typeface="+mj-ea"/>
                 <a:cs typeface="+mj-ea"/>
               </a:rPr>
-              <a:t>可改进之处</a:t>
+              <a:t>控制器</a:t>
             </a:r>
             <a:endParaRPr lang="zh-CN" altLang="en-US" sz="2400">
               <a:latin typeface="+mj-ea"/>
@@ -9616,7 +9921,7 @@
                 <a:latin typeface="+mj-ea"/>
                 <a:ea typeface="+mj-ea"/>
               </a:rPr>
-              <a:t>任务分工</a:t>
+              <a:t>总结与展望</a:t>
             </a:r>
             <a:endParaRPr sz="2800" dirty="0">
               <a:latin typeface="+mj-ea"/>
@@ -9734,57 +10039,49 @@
           </a:p>
           <a:p>
             <a:r>
-              <a:rPr lang="zh-CN" sz="2400">
+              <a:rPr lang="zh-CN" altLang="en-US" sz="2400">
                 <a:latin typeface="+mj-ea"/>
                 <a:ea typeface="+mj-ea"/>
                 <a:cs typeface="+mj-ea"/>
               </a:rPr>
-              <a:t>照片</a:t>
-            </a:r>
-            <a:endParaRPr lang="zh-CN" sz="2400">
+              <a:t>创新点</a:t>
+            </a:r>
+            <a:endParaRPr lang="zh-CN" altLang="en-US" sz="2400">
               <a:latin typeface="+mj-ea"/>
               <a:ea typeface="+mj-ea"/>
               <a:cs typeface="+mj-ea"/>
             </a:endParaRPr>
           </a:p>
           <a:p>
-            <a:endParaRPr lang="zh-CN" sz="2400">
+            <a:endParaRPr lang="zh-CN" altLang="en-US" sz="2400">
               <a:latin typeface="+mj-ea"/>
               <a:ea typeface="+mj-ea"/>
               <a:cs typeface="+mj-ea"/>
             </a:endParaRPr>
           </a:p>
           <a:p>
-            <a:r>
-              <a:rPr lang="en-US" altLang="zh-CN" sz="2400">
-                <a:latin typeface="+mj-ea"/>
-                <a:ea typeface="+mj-ea"/>
-                <a:cs typeface="+mj-ea"/>
-              </a:rPr>
-              <a:t>Github</a:t>
-            </a:r>
-            <a:endParaRPr lang="en-US" altLang="zh-CN" sz="2400">
+            <a:endParaRPr lang="zh-CN" altLang="en-US" sz="2400">
               <a:latin typeface="+mj-ea"/>
               <a:ea typeface="+mj-ea"/>
               <a:cs typeface="+mj-ea"/>
             </a:endParaRPr>
           </a:p>
           <a:p>
-            <a:endParaRPr lang="en-US" altLang="zh-CN" sz="2400">
+            <a:r>
+              <a:rPr lang="zh-CN" altLang="en-US" sz="2400">
+                <a:latin typeface="+mj-ea"/>
+                <a:ea typeface="+mj-ea"/>
+                <a:cs typeface="+mj-ea"/>
+              </a:rPr>
+              <a:t>可改进之处</a:t>
+            </a:r>
+            <a:endParaRPr lang="zh-CN" altLang="en-US" sz="2400">
               <a:latin typeface="+mj-ea"/>
               <a:ea typeface="+mj-ea"/>
               <a:cs typeface="+mj-ea"/>
             </a:endParaRPr>
           </a:p>
           <a:p>
-            <a:r>
-              <a:rPr lang="zh-CN" altLang="en-US" sz="2400">
-                <a:latin typeface="+mj-ea"/>
-                <a:ea typeface="+mj-ea"/>
-                <a:cs typeface="+mj-ea"/>
-              </a:rPr>
-              <a:t>每周进度</a:t>
-            </a:r>
             <a:endParaRPr lang="zh-CN" altLang="en-US" sz="2400">
               <a:latin typeface="+mj-ea"/>
               <a:ea typeface="+mj-ea"/>
@@ -10960,7 +11257,6 @@
 
 <file path=ppt/tags/tag92.xml><?xml version="1.0" encoding="utf-8"?>
 <p:tagLst xmlns:p="http://schemas.openxmlformats.org/presentationml/2006/main">
-  <p:tag name="KSO_WM_BEAUTIFY_FLAG" val="#wm#"/>
   <p:tag name="KSO_WM_TEMPLATE_CATEGORY" val="custom"/>
   <p:tag name="KSO_WM_TEMPLATE_INDEX" val="20191415"/>
 </p:tagLst>
@@ -10968,6 +11264,7 @@
 
 <file path=ppt/tags/tag93.xml><?xml version="1.0" encoding="utf-8"?>
 <p:tagLst xmlns:p="http://schemas.openxmlformats.org/presentationml/2006/main">
+  <p:tag name="KSO_WM_BEAUTIFY_FLAG" val="#wm#"/>
   <p:tag name="KSO_WM_TEMPLATE_CATEGORY" val="custom"/>
   <p:tag name="KSO_WM_TEMPLATE_INDEX" val="20191415"/>
 </p:tagLst>
@@ -10995,6 +11292,13 @@
 </file>
 
 <file path=ppt/tags/tag97.xml><?xml version="1.0" encoding="utf-8"?>
+<p:tagLst xmlns:p="http://schemas.openxmlformats.org/presentationml/2006/main">
+  <p:tag name="KSO_WM_TEMPLATE_CATEGORY" val="custom"/>
+  <p:tag name="KSO_WM_TEMPLATE_INDEX" val="20191415"/>
+</p:tagLst>
+</file>
+
+<file path=ppt/tags/tag98.xml><?xml version="1.0" encoding="utf-8"?>
 <p:tagLst xmlns:p="http://schemas.openxmlformats.org/presentationml/2006/main">
   <p:tag name="KSO_WM_TEMPLATE_CATEGORY" val="custom"/>
   <p:tag name="KSO_WM_TEMPLATE_INDEX" val="20191415"/>
